--- a/clases/Cap04_Sistemas_Lineales/presentations/IMG04_Muestreo1D_DFT.pptx
+++ b/clases/Cap04_Sistemas_Lineales/presentations/IMG04_Muestreo1D_DFT.pptx
@@ -9752,7 +9752,7 @@
           </p:nvSpPr>
           <p:spPr bwMode="auto">
             <a:xfrm flipV="1">
-              <a:off x="7322581" y="3561423"/>
+              <a:off x="6895072" y="3561423"/>
               <a:ext cx="0" cy="792162"/>
             </a:xfrm>
             <a:prstGeom prst="line">
@@ -9793,7 +9793,7 @@
           </p:nvSpPr>
           <p:spPr bwMode="auto">
             <a:xfrm flipV="1">
-              <a:off x="5595381" y="3561423"/>
+              <a:off x="6034767" y="3561423"/>
               <a:ext cx="0" cy="792162"/>
             </a:xfrm>
             <a:prstGeom prst="line">
@@ -9834,7 +9834,7 @@
           </p:nvSpPr>
           <p:spPr bwMode="auto">
             <a:xfrm>
-              <a:off x="7035245" y="4353586"/>
+              <a:off x="6643363" y="4353586"/>
               <a:ext cx="518091" cy="369332"/>
             </a:xfrm>
             <a:prstGeom prst="rect">
